--- a/Projets de virtualisation/paris_e/cloudcamp.pptx
+++ b/Projets de virtualisation/paris_e/cloudcamp.pptx
@@ -8,9 +8,10 @@
     <p:sldId id="256" r:id="rId2"/>
     <p:sldId id="257" r:id="rId3"/>
     <p:sldId id="258" r:id="rId4"/>
-    <p:sldId id="259" r:id="rId5"/>
-    <p:sldId id="260" r:id="rId6"/>
-    <p:sldId id="261" r:id="rId7"/>
+    <p:sldId id="262" r:id="rId5"/>
+    <p:sldId id="259" r:id="rId6"/>
+    <p:sldId id="260" r:id="rId7"/>
+    <p:sldId id="261" r:id="rId8"/>
   </p:sldIdLst>
   <p:sldSz cx="12192000" cy="6858000"/>
   <p:notesSz cx="6858000" cy="9144000"/>
@@ -863,7 +864,7 @@
             <a:fld id="{B61BEF0D-F0BB-DE4B-95CE-6DB70DBA9567}" type="datetimeFigureOut">
               <a:rPr lang="en-US" smtClean="0"/>
               <a:pPr/>
-              <a:t>4/15/16</a:t>
+              <a:t>4/16/16</a:t>
             </a:fld>
             <a:endParaRPr lang="en-US" dirty="0"/>
           </a:p>
@@ -1116,7 +1117,7 @@
             <a:fld id="{B61BEF0D-F0BB-DE4B-95CE-6DB70DBA9567}" type="datetimeFigureOut">
               <a:rPr lang="en-US" smtClean="0"/>
               <a:pPr/>
-              <a:t>4/15/16</a:t>
+              <a:t>4/16/16</a:t>
             </a:fld>
             <a:endParaRPr lang="en-US" dirty="0"/>
           </a:p>
@@ -1432,7 +1433,7 @@
             <a:fld id="{B61BEF0D-F0BB-DE4B-95CE-6DB70DBA9567}" type="datetimeFigureOut">
               <a:rPr lang="en-US" smtClean="0"/>
               <a:pPr/>
-              <a:t>4/15/16</a:t>
+              <a:t>4/16/16</a:t>
             </a:fld>
             <a:endParaRPr lang="en-US" dirty="0"/>
           </a:p>
@@ -1767,7 +1768,7 @@
             <a:fld id="{B61BEF0D-F0BB-DE4B-95CE-6DB70DBA9567}" type="datetimeFigureOut">
               <a:rPr lang="en-US" smtClean="0"/>
               <a:pPr/>
-              <a:t>4/15/16</a:t>
+              <a:t>4/16/16</a:t>
             </a:fld>
             <a:endParaRPr lang="en-US" dirty="0"/>
           </a:p>
@@ -2083,7 +2084,7 @@
             <a:fld id="{B61BEF0D-F0BB-DE4B-95CE-6DB70DBA9567}" type="datetimeFigureOut">
               <a:rPr lang="en-US" smtClean="0"/>
               <a:pPr/>
-              <a:t>4/15/16</a:t>
+              <a:t>4/16/16</a:t>
             </a:fld>
             <a:endParaRPr lang="en-US" dirty="0"/>
           </a:p>
@@ -2478,7 +2479,7 @@
             <a:fld id="{B61BEF0D-F0BB-DE4B-95CE-6DB70DBA9567}" type="datetimeFigureOut">
               <a:rPr lang="en-US" smtClean="0"/>
               <a:pPr/>
-              <a:t>4/15/16</a:t>
+              <a:t>4/16/16</a:t>
             </a:fld>
             <a:endParaRPr lang="en-US" dirty="0"/>
           </a:p>
@@ -2649,7 +2650,7 @@
           <a:p>
             <a:fld id="{55C6B4A9-1611-4792-9094-5F34BCA07E0B}" type="datetimeFigureOut">
               <a:rPr lang="en-US" smtClean="0"/>
-              <a:t>4/15/16</a:t>
+              <a:t>4/16/16</a:t>
             </a:fld>
             <a:endParaRPr lang="en-US" dirty="0"/>
           </a:p>
@@ -2830,7 +2831,7 @@
             <a:fld id="{B61BEF0D-F0BB-DE4B-95CE-6DB70DBA9567}" type="datetimeFigureOut">
               <a:rPr lang="en-US" smtClean="0"/>
               <a:pPr/>
-              <a:t>4/15/16</a:t>
+              <a:t>4/16/16</a:t>
             </a:fld>
             <a:endParaRPr lang="en-US" dirty="0"/>
           </a:p>
@@ -3002,7 +3003,7 @@
             <a:fld id="{B61BEF0D-F0BB-DE4B-95CE-6DB70DBA9567}" type="datetimeFigureOut">
               <a:rPr lang="en-US" smtClean="0"/>
               <a:pPr/>
-              <a:t>4/15/16</a:t>
+              <a:t>4/16/16</a:t>
             </a:fld>
             <a:endParaRPr lang="en-US" dirty="0"/>
           </a:p>
@@ -3251,7 +3252,7 @@
             <a:fld id="{B61BEF0D-F0BB-DE4B-95CE-6DB70DBA9567}" type="datetimeFigureOut">
               <a:rPr lang="en-US" smtClean="0"/>
               <a:pPr/>
-              <a:t>4/15/16</a:t>
+              <a:t>4/16/16</a:t>
             </a:fld>
             <a:endParaRPr lang="en-US" dirty="0"/>
           </a:p>
@@ -3484,7 +3485,7 @@
           <a:p>
             <a:fld id="{EB712588-04B1-427B-82EE-E8DB90309F08}" type="datetimeFigureOut">
               <a:rPr lang="en-US" smtClean="0"/>
-              <a:t>4/15/16</a:t>
+              <a:t>4/16/16</a:t>
             </a:fld>
             <a:endParaRPr lang="en-US" dirty="0"/>
           </a:p>
@@ -3859,7 +3860,7 @@
             <a:fld id="{B61BEF0D-F0BB-DE4B-95CE-6DB70DBA9567}" type="datetimeFigureOut">
               <a:rPr lang="en-US" smtClean="0"/>
               <a:pPr/>
-              <a:t>4/15/16</a:t>
+              <a:t>4/16/16</a:t>
             </a:fld>
             <a:endParaRPr lang="en-US" dirty="0"/>
           </a:p>
@@ -3984,7 +3985,7 @@
             <a:fld id="{B61BEF0D-F0BB-DE4B-95CE-6DB70DBA9567}" type="datetimeFigureOut">
               <a:rPr lang="en-US" smtClean="0"/>
               <a:pPr/>
-              <a:t>4/15/16</a:t>
+              <a:t>4/16/16</a:t>
             </a:fld>
             <a:endParaRPr lang="en-US" dirty="0"/>
           </a:p>
@@ -4081,7 +4082,7 @@
             <a:fld id="{B61BEF0D-F0BB-DE4B-95CE-6DB70DBA9567}" type="datetimeFigureOut">
               <a:rPr lang="en-US" smtClean="0"/>
               <a:pPr/>
-              <a:t>4/15/16</a:t>
+              <a:t>4/16/16</a:t>
             </a:fld>
             <a:endParaRPr lang="en-US" dirty="0"/>
           </a:p>
@@ -4337,7 +4338,7 @@
           <a:p>
             <a:fld id="{42A54C80-263E-416B-A8E0-580EDEADCBDC}" type="datetimeFigureOut">
               <a:rPr lang="en-US" smtClean="0"/>
-              <a:t>4/15/16</a:t>
+              <a:t>4/16/16</a:t>
             </a:fld>
             <a:endParaRPr lang="en-US" dirty="0"/>
           </a:p>
@@ -4644,7 +4645,7 @@
             <a:fld id="{B61BEF0D-F0BB-DE4B-95CE-6DB70DBA9567}" type="datetimeFigureOut">
               <a:rPr lang="en-US" smtClean="0"/>
               <a:pPr/>
-              <a:t>4/15/16</a:t>
+              <a:t>4/16/16</a:t>
             </a:fld>
             <a:endParaRPr lang="en-US" dirty="0"/>
           </a:p>
@@ -5347,7 +5348,7 @@
             <a:fld id="{B61BEF0D-F0BB-DE4B-95CE-6DB70DBA9567}" type="datetimeFigureOut">
               <a:rPr lang="en-US" smtClean="0"/>
               <a:pPr/>
-              <a:t>4/15/16</a:t>
+              <a:t>4/16/16</a:t>
             </a:fld>
             <a:endParaRPr lang="en-US" dirty="0"/>
           </a:p>
@@ -5928,13 +5929,13 @@
   <p:clrMapOvr>
     <a:masterClrMapping/>
   </p:clrMapOvr>
-  <mc:AlternateContent xmlns:mc="http://schemas.openxmlformats.org/markup-compatibility/2006">
-    <mc:Choice xmlns:p14="http://schemas.microsoft.com/office/powerpoint/2010/main" Requires="p14">
+  <mc:AlternateContent xmlns:mc="http://schemas.openxmlformats.org/markup-compatibility/2006" xmlns:p14="http://schemas.microsoft.com/office/powerpoint/2010/main">
+    <mc:Choice Requires="p14">
       <p:transition spd="med" p14:dur="700">
         <p:fade/>
       </p:transition>
     </mc:Choice>
-    <mc:Fallback>
+    <mc:Fallback xmlns="">
       <p:transition spd="med">
         <p:fade/>
       </p:transition>
@@ -6676,6 +6677,75 @@
 </file>
 
 <file path=ppt/slides/slide4.xml><?xml version="1.0" encoding="utf-8"?>
+<p:sld xmlns:a="http://schemas.openxmlformats.org/drawingml/2006/main" xmlns:r="http://schemas.openxmlformats.org/officeDocument/2006/relationships" xmlns:p="http://schemas.openxmlformats.org/presentationml/2006/main">
+  <p:cSld>
+    <p:spTree>
+      <p:nvGrpSpPr>
+        <p:cNvPr id="1" name=""/>
+        <p:cNvGrpSpPr/>
+        <p:nvPr/>
+      </p:nvGrpSpPr>
+      <p:grpSpPr>
+        <a:xfrm>
+          <a:off x="0" y="0"/>
+          <a:ext cx="0" cy="0"/>
+          <a:chOff x="0" y="0"/>
+          <a:chExt cx="0" cy="0"/>
+        </a:xfrm>
+      </p:grpSpPr>
+      <p:sp>
+        <p:nvSpPr>
+          <p:cNvPr id="2" name="Titre 1"/>
+          <p:cNvSpPr>
+            <a:spLocks noGrp="1"/>
+          </p:cNvSpPr>
+          <p:nvPr>
+            <p:ph type="title"/>
+          </p:nvPr>
+        </p:nvSpPr>
+        <p:spPr>
+          <a:xfrm>
+            <a:off x="677334" y="609600"/>
+            <a:ext cx="8596668" cy="672935"/>
+          </a:xfrm>
+        </p:spPr>
+        <p:txBody>
+          <a:bodyPr/>
+          <a:lstStyle/>
+          <a:p>
+            <a:pPr algn="ctr"/>
+            <a:r>
+              <a:rPr lang="fr-FR" smtClean="0"/>
+              <a:t>FONCTIONNEMENT AWS</a:t>
+            </a:r>
+            <a:endParaRPr lang="fr-FR" dirty="0"/>
+          </a:p>
+        </p:txBody>
+      </p:sp>
+    </p:spTree>
+    <p:extLst>
+      <p:ext uri="{BB962C8B-B14F-4D97-AF65-F5344CB8AC3E}">
+        <p14:creationId xmlns:p14="http://schemas.microsoft.com/office/powerpoint/2010/main" val="1471776952"/>
+      </p:ext>
+    </p:extLst>
+  </p:cSld>
+  <p:clrMapOvr>
+    <a:masterClrMapping/>
+  </p:clrMapOvr>
+  <p:transition spd="slow">
+    <p:push dir="u"/>
+  </p:transition>
+  <p:timing>
+    <p:tnLst>
+      <p:par>
+        <p:cTn id="1" dur="indefinite" restart="never" nodeType="tmRoot"/>
+      </p:par>
+    </p:tnLst>
+  </p:timing>
+</p:sld>
+</file>
+
+<file path=ppt/slides/slide5.xml><?xml version="1.0" encoding="utf-8"?>
 <p:sld xmlns:a="http://schemas.openxmlformats.org/drawingml/2006/main" xmlns:r="http://schemas.openxmlformats.org/officeDocument/2006/relationships" xmlns:p="http://schemas.openxmlformats.org/presentationml/2006/main">
   <p:cSld>
     <p:spTree>
@@ -6975,7 +7045,7 @@
 </p:sld>
 </file>
 
-<file path=ppt/slides/slide5.xml><?xml version="1.0" encoding="utf-8"?>
+<file path=ppt/slides/slide6.xml><?xml version="1.0" encoding="utf-8"?>
 <p:sld xmlns:a="http://schemas.openxmlformats.org/drawingml/2006/main" xmlns:r="http://schemas.openxmlformats.org/officeDocument/2006/relationships" xmlns:p="http://schemas.openxmlformats.org/presentationml/2006/main">
   <p:cSld>
     <p:spTree>
@@ -7169,7 +7239,7 @@
 </p:sld>
 </file>
 
-<file path=ppt/slides/slide6.xml><?xml version="1.0" encoding="utf-8"?>
+<file path=ppt/slides/slide7.xml><?xml version="1.0" encoding="utf-8"?>
 <p:sld xmlns:a="http://schemas.openxmlformats.org/drawingml/2006/main" xmlns:r="http://schemas.openxmlformats.org/officeDocument/2006/relationships" xmlns:p="http://schemas.openxmlformats.org/presentationml/2006/main">
   <p:cSld>
     <p:spTree>

--- a/Projets de virtualisation/paris_e/cloudcamp.pptx
+++ b/Projets de virtualisation/paris_e/cloudcamp.pptx
@@ -864,7 +864,7 @@
             <a:fld id="{B61BEF0D-F0BB-DE4B-95CE-6DB70DBA9567}" type="datetimeFigureOut">
               <a:rPr lang="en-US" smtClean="0"/>
               <a:pPr/>
-              <a:t>4/16/16</a:t>
+              <a:t>4/17/16</a:t>
             </a:fld>
             <a:endParaRPr lang="en-US" dirty="0"/>
           </a:p>
@@ -1117,7 +1117,7 @@
             <a:fld id="{B61BEF0D-F0BB-DE4B-95CE-6DB70DBA9567}" type="datetimeFigureOut">
               <a:rPr lang="en-US" smtClean="0"/>
               <a:pPr/>
-              <a:t>4/16/16</a:t>
+              <a:t>4/17/16</a:t>
             </a:fld>
             <a:endParaRPr lang="en-US" dirty="0"/>
           </a:p>
@@ -1433,7 +1433,7 @@
             <a:fld id="{B61BEF0D-F0BB-DE4B-95CE-6DB70DBA9567}" type="datetimeFigureOut">
               <a:rPr lang="en-US" smtClean="0"/>
               <a:pPr/>
-              <a:t>4/16/16</a:t>
+              <a:t>4/17/16</a:t>
             </a:fld>
             <a:endParaRPr lang="en-US" dirty="0"/>
           </a:p>
@@ -1768,7 +1768,7 @@
             <a:fld id="{B61BEF0D-F0BB-DE4B-95CE-6DB70DBA9567}" type="datetimeFigureOut">
               <a:rPr lang="en-US" smtClean="0"/>
               <a:pPr/>
-              <a:t>4/16/16</a:t>
+              <a:t>4/17/16</a:t>
             </a:fld>
             <a:endParaRPr lang="en-US" dirty="0"/>
           </a:p>
@@ -2084,7 +2084,7 @@
             <a:fld id="{B61BEF0D-F0BB-DE4B-95CE-6DB70DBA9567}" type="datetimeFigureOut">
               <a:rPr lang="en-US" smtClean="0"/>
               <a:pPr/>
-              <a:t>4/16/16</a:t>
+              <a:t>4/17/16</a:t>
             </a:fld>
             <a:endParaRPr lang="en-US" dirty="0"/>
           </a:p>
@@ -2479,7 +2479,7 @@
             <a:fld id="{B61BEF0D-F0BB-DE4B-95CE-6DB70DBA9567}" type="datetimeFigureOut">
               <a:rPr lang="en-US" smtClean="0"/>
               <a:pPr/>
-              <a:t>4/16/16</a:t>
+              <a:t>4/17/16</a:t>
             </a:fld>
             <a:endParaRPr lang="en-US" dirty="0"/>
           </a:p>
@@ -2650,7 +2650,7 @@
           <a:p>
             <a:fld id="{55C6B4A9-1611-4792-9094-5F34BCA07E0B}" type="datetimeFigureOut">
               <a:rPr lang="en-US" smtClean="0"/>
-              <a:t>4/16/16</a:t>
+              <a:t>4/17/16</a:t>
             </a:fld>
             <a:endParaRPr lang="en-US" dirty="0"/>
           </a:p>
@@ -2831,7 +2831,7 @@
             <a:fld id="{B61BEF0D-F0BB-DE4B-95CE-6DB70DBA9567}" type="datetimeFigureOut">
               <a:rPr lang="en-US" smtClean="0"/>
               <a:pPr/>
-              <a:t>4/16/16</a:t>
+              <a:t>4/17/16</a:t>
             </a:fld>
             <a:endParaRPr lang="en-US" dirty="0"/>
           </a:p>
@@ -3003,7 +3003,7 @@
             <a:fld id="{B61BEF0D-F0BB-DE4B-95CE-6DB70DBA9567}" type="datetimeFigureOut">
               <a:rPr lang="en-US" smtClean="0"/>
               <a:pPr/>
-              <a:t>4/16/16</a:t>
+              <a:t>4/17/16</a:t>
             </a:fld>
             <a:endParaRPr lang="en-US" dirty="0"/>
           </a:p>
@@ -3252,7 +3252,7 @@
             <a:fld id="{B61BEF0D-F0BB-DE4B-95CE-6DB70DBA9567}" type="datetimeFigureOut">
               <a:rPr lang="en-US" smtClean="0"/>
               <a:pPr/>
-              <a:t>4/16/16</a:t>
+              <a:t>4/17/16</a:t>
             </a:fld>
             <a:endParaRPr lang="en-US" dirty="0"/>
           </a:p>
@@ -3485,7 +3485,7 @@
           <a:p>
             <a:fld id="{EB712588-04B1-427B-82EE-E8DB90309F08}" type="datetimeFigureOut">
               <a:rPr lang="en-US" smtClean="0"/>
-              <a:t>4/16/16</a:t>
+              <a:t>4/17/16</a:t>
             </a:fld>
             <a:endParaRPr lang="en-US" dirty="0"/>
           </a:p>
@@ -3860,7 +3860,7 @@
             <a:fld id="{B61BEF0D-F0BB-DE4B-95CE-6DB70DBA9567}" type="datetimeFigureOut">
               <a:rPr lang="en-US" smtClean="0"/>
               <a:pPr/>
-              <a:t>4/16/16</a:t>
+              <a:t>4/17/16</a:t>
             </a:fld>
             <a:endParaRPr lang="en-US" dirty="0"/>
           </a:p>
@@ -3985,7 +3985,7 @@
             <a:fld id="{B61BEF0D-F0BB-DE4B-95CE-6DB70DBA9567}" type="datetimeFigureOut">
               <a:rPr lang="en-US" smtClean="0"/>
               <a:pPr/>
-              <a:t>4/16/16</a:t>
+              <a:t>4/17/16</a:t>
             </a:fld>
             <a:endParaRPr lang="en-US" dirty="0"/>
           </a:p>
@@ -4082,7 +4082,7 @@
             <a:fld id="{B61BEF0D-F0BB-DE4B-95CE-6DB70DBA9567}" type="datetimeFigureOut">
               <a:rPr lang="en-US" smtClean="0"/>
               <a:pPr/>
-              <a:t>4/16/16</a:t>
+              <a:t>4/17/16</a:t>
             </a:fld>
             <a:endParaRPr lang="en-US" dirty="0"/>
           </a:p>
@@ -4338,7 +4338,7 @@
           <a:p>
             <a:fld id="{42A54C80-263E-416B-A8E0-580EDEADCBDC}" type="datetimeFigureOut">
               <a:rPr lang="en-US" smtClean="0"/>
-              <a:t>4/16/16</a:t>
+              <a:t>4/17/16</a:t>
             </a:fld>
             <a:endParaRPr lang="en-US" dirty="0"/>
           </a:p>
@@ -4645,7 +4645,7 @@
             <a:fld id="{B61BEF0D-F0BB-DE4B-95CE-6DB70DBA9567}" type="datetimeFigureOut">
               <a:rPr lang="en-US" smtClean="0"/>
               <a:pPr/>
-              <a:t>4/16/16</a:t>
+              <a:t>4/17/16</a:t>
             </a:fld>
             <a:endParaRPr lang="en-US" dirty="0"/>
           </a:p>
@@ -5348,7 +5348,7 @@
             <a:fld id="{B61BEF0D-F0BB-DE4B-95CE-6DB70DBA9567}" type="datetimeFigureOut">
               <a:rPr lang="en-US" smtClean="0"/>
               <a:pPr/>
-              <a:t>4/16/16</a:t>
+              <a:t>4/17/16</a:t>
             </a:fld>
             <a:endParaRPr lang="en-US" dirty="0"/>
           </a:p>
@@ -6722,6 +6722,36 @@
           </a:p>
         </p:txBody>
       </p:sp>
+      <p:pic>
+        <p:nvPicPr>
+          <p:cNvPr id="3" name="Image 2"/>
+          <p:cNvPicPr>
+            <a:picLocks noChangeAspect="1"/>
+          </p:cNvPicPr>
+          <p:nvPr/>
+        </p:nvPicPr>
+        <p:blipFill>
+          <a:blip r:embed="rId2">
+            <a:extLst>
+              <a:ext uri="{28A0092B-C50C-407E-A947-70E740481C1C}">
+                <a14:useLocalDpi xmlns:a14="http://schemas.microsoft.com/office/drawing/2010/main" val="0"/>
+              </a:ext>
+            </a:extLst>
+          </a:blip>
+          <a:stretch>
+            <a:fillRect/>
+          </a:stretch>
+        </p:blipFill>
+        <p:spPr>
+          <a:xfrm>
+            <a:off x="1317444" y="1408590"/>
+            <a:ext cx="7316448" cy="4516445"/>
+          </a:xfrm>
+          <a:prstGeom prst="rect">
+            <a:avLst/>
+          </a:prstGeom>
+        </p:spPr>
+      </p:pic>
     </p:spTree>
     <p:extLst>
       <p:ext uri="{BB962C8B-B14F-4D97-AF65-F5344CB8AC3E}">

--- a/Projets de virtualisation/paris_e/cloudcamp.pptx
+++ b/Projets de virtualisation/paris_e/cloudcamp.pptx
@@ -864,7 +864,7 @@
             <a:fld id="{B61BEF0D-F0BB-DE4B-95CE-6DB70DBA9567}" type="datetimeFigureOut">
               <a:rPr lang="en-US" smtClean="0"/>
               <a:pPr/>
-              <a:t>4/17/16</a:t>
+              <a:t>4/18/16</a:t>
             </a:fld>
             <a:endParaRPr lang="en-US" dirty="0"/>
           </a:p>
@@ -1117,7 +1117,7 @@
             <a:fld id="{B61BEF0D-F0BB-DE4B-95CE-6DB70DBA9567}" type="datetimeFigureOut">
               <a:rPr lang="en-US" smtClean="0"/>
               <a:pPr/>
-              <a:t>4/17/16</a:t>
+              <a:t>4/18/16</a:t>
             </a:fld>
             <a:endParaRPr lang="en-US" dirty="0"/>
           </a:p>
@@ -1433,7 +1433,7 @@
             <a:fld id="{B61BEF0D-F0BB-DE4B-95CE-6DB70DBA9567}" type="datetimeFigureOut">
               <a:rPr lang="en-US" smtClean="0"/>
               <a:pPr/>
-              <a:t>4/17/16</a:t>
+              <a:t>4/18/16</a:t>
             </a:fld>
             <a:endParaRPr lang="en-US" dirty="0"/>
           </a:p>
@@ -1768,7 +1768,7 @@
             <a:fld id="{B61BEF0D-F0BB-DE4B-95CE-6DB70DBA9567}" type="datetimeFigureOut">
               <a:rPr lang="en-US" smtClean="0"/>
               <a:pPr/>
-              <a:t>4/17/16</a:t>
+              <a:t>4/18/16</a:t>
             </a:fld>
             <a:endParaRPr lang="en-US" dirty="0"/>
           </a:p>
@@ -2084,7 +2084,7 @@
             <a:fld id="{B61BEF0D-F0BB-DE4B-95CE-6DB70DBA9567}" type="datetimeFigureOut">
               <a:rPr lang="en-US" smtClean="0"/>
               <a:pPr/>
-              <a:t>4/17/16</a:t>
+              <a:t>4/18/16</a:t>
             </a:fld>
             <a:endParaRPr lang="en-US" dirty="0"/>
           </a:p>
@@ -2479,7 +2479,7 @@
             <a:fld id="{B61BEF0D-F0BB-DE4B-95CE-6DB70DBA9567}" type="datetimeFigureOut">
               <a:rPr lang="en-US" smtClean="0"/>
               <a:pPr/>
-              <a:t>4/17/16</a:t>
+              <a:t>4/18/16</a:t>
             </a:fld>
             <a:endParaRPr lang="en-US" dirty="0"/>
           </a:p>
@@ -2650,7 +2650,7 @@
           <a:p>
             <a:fld id="{55C6B4A9-1611-4792-9094-5F34BCA07E0B}" type="datetimeFigureOut">
               <a:rPr lang="en-US" smtClean="0"/>
-              <a:t>4/17/16</a:t>
+              <a:t>4/18/16</a:t>
             </a:fld>
             <a:endParaRPr lang="en-US" dirty="0"/>
           </a:p>
@@ -2831,7 +2831,7 @@
             <a:fld id="{B61BEF0D-F0BB-DE4B-95CE-6DB70DBA9567}" type="datetimeFigureOut">
               <a:rPr lang="en-US" smtClean="0"/>
               <a:pPr/>
-              <a:t>4/17/16</a:t>
+              <a:t>4/18/16</a:t>
             </a:fld>
             <a:endParaRPr lang="en-US" dirty="0"/>
           </a:p>
@@ -3003,7 +3003,7 @@
             <a:fld id="{B61BEF0D-F0BB-DE4B-95CE-6DB70DBA9567}" type="datetimeFigureOut">
               <a:rPr lang="en-US" smtClean="0"/>
               <a:pPr/>
-              <a:t>4/17/16</a:t>
+              <a:t>4/18/16</a:t>
             </a:fld>
             <a:endParaRPr lang="en-US" dirty="0"/>
           </a:p>
@@ -3252,7 +3252,7 @@
             <a:fld id="{B61BEF0D-F0BB-DE4B-95CE-6DB70DBA9567}" type="datetimeFigureOut">
               <a:rPr lang="en-US" smtClean="0"/>
               <a:pPr/>
-              <a:t>4/17/16</a:t>
+              <a:t>4/18/16</a:t>
             </a:fld>
             <a:endParaRPr lang="en-US" dirty="0"/>
           </a:p>
@@ -3485,7 +3485,7 @@
           <a:p>
             <a:fld id="{EB712588-04B1-427B-82EE-E8DB90309F08}" type="datetimeFigureOut">
               <a:rPr lang="en-US" smtClean="0"/>
-              <a:t>4/17/16</a:t>
+              <a:t>4/18/16</a:t>
             </a:fld>
             <a:endParaRPr lang="en-US" dirty="0"/>
           </a:p>
@@ -3860,7 +3860,7 @@
             <a:fld id="{B61BEF0D-F0BB-DE4B-95CE-6DB70DBA9567}" type="datetimeFigureOut">
               <a:rPr lang="en-US" smtClean="0"/>
               <a:pPr/>
-              <a:t>4/17/16</a:t>
+              <a:t>4/18/16</a:t>
             </a:fld>
             <a:endParaRPr lang="en-US" dirty="0"/>
           </a:p>
@@ -3985,7 +3985,7 @@
             <a:fld id="{B61BEF0D-F0BB-DE4B-95CE-6DB70DBA9567}" type="datetimeFigureOut">
               <a:rPr lang="en-US" smtClean="0"/>
               <a:pPr/>
-              <a:t>4/17/16</a:t>
+              <a:t>4/18/16</a:t>
             </a:fld>
             <a:endParaRPr lang="en-US" dirty="0"/>
           </a:p>
@@ -4082,7 +4082,7 @@
             <a:fld id="{B61BEF0D-F0BB-DE4B-95CE-6DB70DBA9567}" type="datetimeFigureOut">
               <a:rPr lang="en-US" smtClean="0"/>
               <a:pPr/>
-              <a:t>4/17/16</a:t>
+              <a:t>4/18/16</a:t>
             </a:fld>
             <a:endParaRPr lang="en-US" dirty="0"/>
           </a:p>
@@ -4338,7 +4338,7 @@
           <a:p>
             <a:fld id="{42A54C80-263E-416B-A8E0-580EDEADCBDC}" type="datetimeFigureOut">
               <a:rPr lang="en-US" smtClean="0"/>
-              <a:t>4/17/16</a:t>
+              <a:t>4/18/16</a:t>
             </a:fld>
             <a:endParaRPr lang="en-US" dirty="0"/>
           </a:p>
@@ -4645,7 +4645,7 @@
             <a:fld id="{B61BEF0D-F0BB-DE4B-95CE-6DB70DBA9567}" type="datetimeFigureOut">
               <a:rPr lang="en-US" smtClean="0"/>
               <a:pPr/>
-              <a:t>4/17/16</a:t>
+              <a:t>4/18/16</a:t>
             </a:fld>
             <a:endParaRPr lang="en-US" dirty="0"/>
           </a:p>
@@ -5348,7 +5348,7 @@
             <a:fld id="{B61BEF0D-F0BB-DE4B-95CE-6DB70DBA9567}" type="datetimeFigureOut">
               <a:rPr lang="en-US" smtClean="0"/>
               <a:pPr/>
-              <a:t>4/17/16</a:t>
+              <a:t>4/18/16</a:t>
             </a:fld>
             <a:endParaRPr lang="en-US" dirty="0"/>
           </a:p>
@@ -6319,8 +6319,8 @@
         </p:nvSpPr>
         <p:spPr>
           <a:xfrm>
-            <a:off x="3778909" y="3407287"/>
-            <a:ext cx="2313005" cy="646331"/>
+            <a:off x="4298856" y="3407287"/>
+            <a:ext cx="1273105" cy="646331"/>
           </a:xfrm>
           <a:prstGeom prst="rect">
             <a:avLst/>
@@ -6342,20 +6342,12 @@
           <a:p>
             <a:pPr algn="ctr"/>
             <a:r>
+              <a:rPr lang="fr-FR" dirty="0"/>
+              <a:t>D</a:t>
+            </a:r>
+            <a:r>
               <a:rPr lang="fr-FR" dirty="0" smtClean="0"/>
-              <a:t>admin-</a:t>
-            </a:r>
-            <a:r>
-              <a:rPr lang="fr-FR" dirty="0" err="1" smtClean="0"/>
-              <a:t>sys</a:t>
-            </a:r>
-            <a:r>
-              <a:rPr lang="fr-FR" dirty="0" smtClean="0"/>
-              <a:t> /</a:t>
-            </a:r>
-            <a:r>
-              <a:rPr lang="fr-FR" dirty="0" err="1" smtClean="0"/>
-              <a:t>dev</a:t>
+              <a:t>ev</a:t>
             </a:r>
             <a:r>
               <a:rPr lang="fr-FR" dirty="0" smtClean="0"/>
@@ -6588,8 +6580,8 @@
         </p:nvSpPr>
         <p:spPr>
           <a:xfrm>
-            <a:off x="3552297" y="2410691"/>
-            <a:ext cx="2846741" cy="584775"/>
+            <a:off x="2000466" y="2410691"/>
+            <a:ext cx="5950412" cy="584775"/>
           </a:xfrm>
           <a:prstGeom prst="rect">
             <a:avLst/>
@@ -6609,7 +6601,15 @@
                   <a:schemeClr val="accent1"/>
                 </a:solidFill>
               </a:rPr>
-              <a:t>FRACTAL LAND</a:t>
+              <a:t>FRACTAL </a:t>
+            </a:r>
+            <a:r>
+              <a:rPr lang="fr-FR" sz="3200" dirty="0" smtClean="0">
+                <a:solidFill>
+                  <a:schemeClr val="accent1"/>
+                </a:solidFill>
+              </a:rPr>
+              <a:t>LAND + CALCULATHOR</a:t>
             </a:r>
             <a:endParaRPr lang="fr-FR" sz="3200" dirty="0">
               <a:solidFill>
@@ -6643,13 +6643,40 @@
           <a:p>
             <a:r>
               <a:rPr lang="fr-FR" dirty="0" smtClean="0"/>
-              <a:t>Générateur de fractales simples </a:t>
-            </a:r>
-            <a:r>
-              <a:rPr lang="fr-FR" smtClean="0"/>
-              <a:t>sous forme binaire</a:t>
-            </a:r>
-            <a:endParaRPr lang="fr-FR"/>
+              <a:t>Générateur de fractales simples sous forme binaire</a:t>
+            </a:r>
+            <a:endParaRPr lang="fr-FR" dirty="0"/>
+          </a:p>
+        </p:txBody>
+      </p:sp>
+      <p:sp>
+        <p:nvSpPr>
+          <p:cNvPr id="6" name="ZoneTexte 5"/>
+          <p:cNvSpPr txBox="1"/>
+          <p:nvPr/>
+        </p:nvSpPr>
+        <p:spPr>
+          <a:xfrm>
+            <a:off x="3890272" y="3696110"/>
+            <a:ext cx="2170787" cy="369332"/>
+          </a:xfrm>
+          <a:prstGeom prst="rect">
+            <a:avLst/>
+          </a:prstGeom>
+          <a:noFill/>
+        </p:spPr>
+        <p:txBody>
+          <a:bodyPr wrap="none" rtlCol="0">
+            <a:spAutoFit/>
+          </a:bodyPr>
+          <a:lstStyle/>
+          <a:p>
+            <a:pPr algn="ctr"/>
+            <a:r>
+              <a:rPr lang="fr-FR" smtClean="0"/>
+              <a:t>Calculatrice simple</a:t>
+            </a:r>
+            <a:endParaRPr lang="fr-FR" dirty="0"/>
           </a:p>
         </p:txBody>
       </p:sp>

--- a/Projets de virtualisation/paris_e/cloudcamp.pptx
+++ b/Projets de virtualisation/paris_e/cloudcamp.pptx
@@ -6580,8 +6580,8 @@
         </p:nvSpPr>
         <p:spPr>
           <a:xfrm>
-            <a:off x="2000466" y="2410691"/>
-            <a:ext cx="5950412" cy="584775"/>
+            <a:off x="3552302" y="2410691"/>
+            <a:ext cx="2846740" cy="584775"/>
           </a:xfrm>
           <a:prstGeom prst="rect">
             <a:avLst/>
@@ -6609,7 +6609,7 @@
                   <a:schemeClr val="accent1"/>
                 </a:solidFill>
               </a:rPr>
-              <a:t>LAND + CALCULATHOR</a:t>
+              <a:t>LAND</a:t>
             </a:r>
             <a:endParaRPr lang="fr-FR" sz="3200" dirty="0">
               <a:solidFill>
@@ -6644,37 +6644,6 @@
             <a:r>
               <a:rPr lang="fr-FR" dirty="0" smtClean="0"/>
               <a:t>Générateur de fractales simples sous forme binaire</a:t>
-            </a:r>
-            <a:endParaRPr lang="fr-FR" dirty="0"/>
-          </a:p>
-        </p:txBody>
-      </p:sp>
-      <p:sp>
-        <p:nvSpPr>
-          <p:cNvPr id="6" name="ZoneTexte 5"/>
-          <p:cNvSpPr txBox="1"/>
-          <p:nvPr/>
-        </p:nvSpPr>
-        <p:spPr>
-          <a:xfrm>
-            <a:off x="3890272" y="3696110"/>
-            <a:ext cx="2170787" cy="369332"/>
-          </a:xfrm>
-          <a:prstGeom prst="rect">
-            <a:avLst/>
-          </a:prstGeom>
-          <a:noFill/>
-        </p:spPr>
-        <p:txBody>
-          <a:bodyPr wrap="none" rtlCol="0">
-            <a:spAutoFit/>
-          </a:bodyPr>
-          <a:lstStyle/>
-          <a:p>
-            <a:pPr algn="ctr"/>
-            <a:r>
-              <a:rPr lang="fr-FR" smtClean="0"/>
-              <a:t>Calculatrice simple</a:t>
             </a:r>
             <a:endParaRPr lang="fr-FR" dirty="0"/>
           </a:p>

--- a/Projets de virtualisation/paris_e/cloudcamp.pptx
+++ b/Projets de virtualisation/paris_e/cloudcamp.pptx
@@ -6347,11 +6347,7 @@
             </a:r>
             <a:r>
               <a:rPr lang="fr-FR" dirty="0" smtClean="0"/>
-              <a:t>ev</a:t>
-            </a:r>
-            <a:r>
-              <a:rPr lang="fr-FR" dirty="0" smtClean="0"/>
-              <a:t>. web</a:t>
+              <a:t>ev. web</a:t>
             </a:r>
             <a:endParaRPr lang="fr-FR" dirty="0"/>
           </a:p>
@@ -6601,15 +6597,7 @@
                   <a:schemeClr val="accent1"/>
                 </a:solidFill>
               </a:rPr>
-              <a:t>FRACTAL </a:t>
-            </a:r>
-            <a:r>
-              <a:rPr lang="fr-FR" sz="3200" dirty="0" smtClean="0">
-                <a:solidFill>
-                  <a:schemeClr val="accent1"/>
-                </a:solidFill>
-              </a:rPr>
-              <a:t>LAND</a:t>
+              <a:t>FRACTAL LAND</a:t>
             </a:r>
             <a:endParaRPr lang="fr-FR" sz="3200" dirty="0">
               <a:solidFill>
@@ -6911,8 +6899,8 @@
         </p:nvSpPr>
         <p:spPr>
           <a:xfrm>
-            <a:off x="2811838" y="4667003"/>
-            <a:ext cx="4327660" cy="584775"/>
+            <a:off x="2423754" y="4667003"/>
+            <a:ext cx="5103828" cy="584775"/>
           </a:xfrm>
           <a:prstGeom prst="rect">
             <a:avLst/>
@@ -6920,7 +6908,7 @@
           <a:noFill/>
         </p:spPr>
         <p:txBody>
-          <a:bodyPr wrap="none" rtlCol="0">
+          <a:bodyPr wrap="square" rtlCol="0">
             <a:spAutoFit/>
           </a:bodyPr>
           <a:lstStyle/>
@@ -6948,7 +6936,15 @@
                   <a:schemeClr val="accent1"/>
                 </a:solidFill>
               </a:rPr>
-              <a:t> CSS</a:t>
+              <a:t> </a:t>
+            </a:r>
+            <a:r>
+              <a:rPr lang="fr-FR" sz="3200" dirty="0" smtClean="0">
+                <a:solidFill>
+                  <a:schemeClr val="accent1"/>
+                </a:solidFill>
+              </a:rPr>
+              <a:t>CSS/JS</a:t>
             </a:r>
             <a:endParaRPr lang="fr-FR" sz="3200" dirty="0">
               <a:solidFill>
